--- a/Slides/L4.1 - Exercises of CF ERD.pptx
+++ b/Slides/L4.1 - Exercises of CF ERD.pptx
@@ -6216,7 +6216,7 @@
             </a:pPr>
             <a:r>
               <a:rPr lang="en-US" altLang="zh-CN" sz="2300" b="1" cap="none" dirty="0" smtClean="0"/>
-              <a:t>2. </a:t>
+              <a:t>1. </a:t>
             </a:r>
             <a:r>
               <a:rPr lang="en-US" altLang="zh-CN" sz="2300" cap="none" dirty="0"/>
@@ -6466,7 +6466,7 @@
             </a:pPr>
             <a:r>
               <a:rPr lang="en-US" altLang="zh-CN" sz="2800" b="1" cap="none" dirty="0" smtClean="0"/>
-              <a:t>3. </a:t>
+              <a:t>2. </a:t>
             </a:r>
             <a:r>
               <a:rPr lang="en-US" altLang="zh-CN" sz="2800" cap="none" dirty="0"/>

--- a/Slides/L4.1 - Exercises of CF ERD.pptx
+++ b/Slides/L4.1 - Exercises of CF ERD.pptx
@@ -6465,79 +6465,79 @@
               <a:buNone/>
             </a:pPr>
             <a:r>
-              <a:rPr lang="en-US" altLang="zh-CN" sz="2800" b="1" cap="none" dirty="0" smtClean="0"/>
+              <a:rPr lang="en-US" altLang="zh-CN" sz="2400" b="1" cap="none" dirty="0" smtClean="0"/>
               <a:t>2. </a:t>
             </a:r>
             <a:r>
-              <a:rPr lang="en-US" altLang="zh-CN" sz="2800" cap="none" dirty="0"/>
+              <a:rPr lang="en-US" altLang="zh-CN" sz="2400" cap="none" dirty="0"/>
               <a:t>Create an ERD based on the Crow’s Foot notation, using the following requirements</a:t>
             </a:r>
             <a:r>
-              <a:rPr lang="en-US" altLang="zh-CN" sz="2800" cap="none" dirty="0" smtClean="0"/>
+              <a:rPr lang="en-US" altLang="zh-CN" sz="2400" cap="none" dirty="0" smtClean="0"/>
               <a:t>:</a:t>
             </a:r>
-            <a:endParaRPr lang="en-US" altLang="zh-CN" sz="2800" cap="none" dirty="0" smtClean="0"/>
+            <a:endParaRPr lang="en-US" altLang="zh-CN" sz="2400" cap="none" dirty="0" smtClean="0"/>
           </a:p>
           <a:p>
             <a:pPr marL="0" indent="0">
               <a:buNone/>
             </a:pPr>
-            <a:endParaRPr lang="en-US" altLang="zh-CN" sz="2800" cap="none" dirty="0" smtClean="0"/>
-          </a:p>
-          <a:p>
-            <a:r>
-              <a:rPr lang="en-US" altLang="zh-CN" sz="2800" cap="none" dirty="0"/>
+            <a:endParaRPr lang="en-US" altLang="zh-CN" sz="2400" cap="none" dirty="0" smtClean="0"/>
+          </a:p>
+          <a:p>
+            <a:r>
+              <a:rPr lang="en-US" altLang="zh-CN" sz="2400" cap="none" dirty="0"/>
               <a:t>a. An INVOICE is written by a SALESREP. Each sales representative can write many invoices, but each </a:t>
             </a:r>
             <a:r>
-              <a:rPr lang="en-US" altLang="zh-CN" sz="2800" cap="none" dirty="0" smtClean="0"/>
+              <a:rPr lang="en-US" altLang="zh-CN" sz="2400" cap="none" dirty="0" smtClean="0"/>
               <a:t>invoice is </a:t>
             </a:r>
             <a:r>
-              <a:rPr lang="en-US" altLang="zh-CN" sz="2800" cap="none" dirty="0"/>
+              <a:rPr lang="en-US" altLang="zh-CN" sz="2400" cap="none" dirty="0"/>
               <a:t>written by a single sales representative.</a:t>
             </a:r>
-            <a:endParaRPr lang="en-US" altLang="zh-CN" sz="2800" cap="none" dirty="0"/>
-          </a:p>
-          <a:p>
-            <a:r>
-              <a:rPr lang="en-US" altLang="zh-CN" sz="2800" cap="none" dirty="0"/>
+            <a:endParaRPr lang="en-US" altLang="zh-CN" sz="2400" cap="none" dirty="0"/>
+          </a:p>
+          <a:p>
+            <a:r>
+              <a:rPr lang="en-US" altLang="zh-CN" sz="2400" cap="none" dirty="0"/>
               <a:t>b. The INVOICE is written for a single CUSTOMER. However, each customer can have many invoices</a:t>
             </a:r>
             <a:r>
-              <a:rPr lang="en-US" altLang="zh-CN" sz="2800" cap="none" dirty="0" smtClean="0"/>
+              <a:rPr lang="en-US" altLang="zh-CN" sz="2400" cap="none" dirty="0" smtClean="0"/>
               <a:t>.</a:t>
             </a:r>
-            <a:endParaRPr lang="en-US" altLang="zh-CN" sz="2800" cap="none" dirty="0" smtClean="0"/>
-          </a:p>
-          <a:p>
-            <a:r>
-              <a:rPr lang="en-US" altLang="zh-CN" sz="2800" cap="none" dirty="0"/>
+            <a:endParaRPr lang="en-US" altLang="zh-CN" sz="2400" cap="none" dirty="0" smtClean="0"/>
+          </a:p>
+          <a:p>
+            <a:r>
+              <a:rPr lang="en-US" altLang="zh-CN" sz="2400" cap="none" dirty="0"/>
               <a:t>c. An INVOICE can include many detail lines (LINE), each of which describes one product bought by </a:t>
             </a:r>
             <a:r>
-              <a:rPr lang="en-US" altLang="zh-CN" sz="2800" cap="none" dirty="0" smtClean="0"/>
+              <a:rPr lang="en-US" altLang="zh-CN" sz="2400" cap="none" dirty="0" smtClean="0"/>
               <a:t>the customer</a:t>
             </a:r>
             <a:r>
-              <a:rPr lang="en-US" altLang="zh-CN" sz="2800" cap="none" dirty="0"/>
+              <a:rPr lang="en-US" altLang="zh-CN" sz="2400" cap="none" dirty="0"/>
               <a:t>.</a:t>
             </a:r>
-            <a:endParaRPr lang="en-US" altLang="zh-CN" sz="2800" cap="none" dirty="0"/>
-          </a:p>
-          <a:p>
-            <a:r>
-              <a:rPr lang="en-US" altLang="zh-CN" sz="2800" cap="none" dirty="0"/>
+            <a:endParaRPr lang="en-US" altLang="zh-CN" sz="2400" cap="none" dirty="0"/>
+          </a:p>
+          <a:p>
+            <a:r>
+              <a:rPr lang="en-US" altLang="zh-CN" sz="2400" cap="none" dirty="0"/>
               <a:t>d. The product information is stored in a PRODUCT entity.</a:t>
             </a:r>
-            <a:endParaRPr lang="en-US" altLang="zh-CN" sz="2800" cap="none" dirty="0"/>
-          </a:p>
-          <a:p>
-            <a:r>
-              <a:rPr lang="en-US" altLang="zh-CN" sz="2800" cap="none" dirty="0"/>
+            <a:endParaRPr lang="en-US" altLang="zh-CN" sz="2400" cap="none" dirty="0"/>
+          </a:p>
+          <a:p>
+            <a:r>
+              <a:rPr lang="en-US" altLang="zh-CN" sz="2400" cap="none" dirty="0"/>
               <a:t>e. The product’s vendor information is found in a VENDOR entity.</a:t>
             </a:r>
-            <a:endParaRPr lang="en-US" altLang="zh-CN" sz="2800" cap="none" dirty="0" smtClean="0"/>
+            <a:endParaRPr lang="en-US" altLang="zh-CN" sz="2400" cap="none" dirty="0" smtClean="0"/>
           </a:p>
         </p:txBody>
       </p:sp>
